--- a/docs/images/jfrog-saas-log-collector-architecture-diagram.pptx
+++ b/docs/images/jfrog-saas-log-collector-architecture-diagram.pptx
@@ -4622,8 +4622,8 @@
         </p:nvSpPr>
         <p:spPr>
           <a:xfrm>
-            <a:off x="1190964" y="270137"/>
-            <a:ext cx="8029236" cy="5293088"/>
+            <a:off x="1190963" y="270137"/>
+            <a:ext cx="9585317" cy="5293088"/>
           </a:xfrm>
           <a:prstGeom prst="rect">
             <a:avLst/>
@@ -5008,6 +5008,227 @@
               <a:defRPr/>
             </a:pPr>
             <a:endParaRPr lang="en-US" dirty="0"/>
+          </a:p>
+        </p:txBody>
+      </p:sp>
+      <p:pic>
+        <p:nvPicPr>
+          <p:cNvPr id="59" name="Graphic 17">
+            <a:extLst>
+              <a:ext uri="{FF2B5EF4-FFF2-40B4-BE49-F238E27FC236}">
+                <a16:creationId xmlns:a16="http://schemas.microsoft.com/office/drawing/2014/main" id="{E44F67F4-F69A-4A0D-939C-8EE959B6D93E}"/>
+              </a:ext>
+            </a:extLst>
+          </p:cNvPr>
+          <p:cNvPicPr>
+            <a:picLocks noChangeAspect="1" noChangeArrowheads="1"/>
+          </p:cNvPicPr>
+          <p:nvPr/>
+        </p:nvPicPr>
+        <p:blipFill>
+          <a:blip r:embed="rId21">
+            <a:extLst>
+              <a:ext uri="{28A0092B-C50C-407E-A947-70E740481C1C}">
+                <a14:useLocalDpi xmlns:a14="http://schemas.microsoft.com/office/drawing/2010/main" val="0"/>
+              </a:ext>
+            </a:extLst>
+          </a:blip>
+          <a:srcRect/>
+          <a:stretch>
+            <a:fillRect/>
+          </a:stretch>
+        </p:blipFill>
+        <p:spPr bwMode="auto">
+          <a:xfrm>
+            <a:off x="9541730" y="1554743"/>
+            <a:ext cx="762000" cy="762000"/>
+          </a:xfrm>
+          <a:prstGeom prst="rect">
+            <a:avLst/>
+          </a:prstGeom>
+          <a:noFill/>
+          <a:ln>
+            <a:noFill/>
+          </a:ln>
+          <a:extLst>
+            <a:ext uri="{909E8E84-426E-40DD-AFC4-6F175D3DCCD1}">
+              <a14:hiddenFill xmlns:a14="http://schemas.microsoft.com/office/drawing/2010/main">
+                <a:solidFill>
+                  <a:srgbClr val="FFFFFF"/>
+                </a:solidFill>
+              </a14:hiddenFill>
+            </a:ext>
+            <a:ext uri="{91240B29-F687-4F45-9708-019B960494DF}">
+              <a14:hiddenLine xmlns:a14="http://schemas.microsoft.com/office/drawing/2010/main" w="9525">
+                <a:solidFill>
+                  <a:srgbClr val="000000"/>
+                </a:solidFill>
+                <a:miter lim="800000"/>
+                <a:headEnd/>
+                <a:tailEnd/>
+              </a14:hiddenLine>
+            </a:ext>
+          </a:extLst>
+        </p:spPr>
+      </p:pic>
+      <p:sp>
+        <p:nvSpPr>
+          <p:cNvPr id="60" name="TextBox 11">
+            <a:extLst>
+              <a:ext uri="{FF2B5EF4-FFF2-40B4-BE49-F238E27FC236}">
+                <a16:creationId xmlns:a16="http://schemas.microsoft.com/office/drawing/2014/main" id="{0C7CAB90-F1FC-4C20-8690-C893523230CE}"/>
+              </a:ext>
+            </a:extLst>
+          </p:cNvPr>
+          <p:cNvSpPr txBox="1">
+            <a:spLocks noChangeArrowheads="1"/>
+          </p:cNvSpPr>
+          <p:nvPr/>
+        </p:nvSpPr>
+        <p:spPr bwMode="auto">
+          <a:xfrm>
+            <a:off x="8784493" y="2316743"/>
+            <a:ext cx="2292350" cy="276999"/>
+          </a:xfrm>
+          <a:prstGeom prst="rect">
+            <a:avLst/>
+          </a:prstGeom>
+          <a:noFill/>
+          <a:ln>
+            <a:noFill/>
+          </a:ln>
+          <a:extLst>
+            <a:ext uri="{909E8E84-426E-40DD-AFC4-6F175D3DCCD1}">
+              <a14:hiddenFill xmlns:a14="http://schemas.microsoft.com/office/drawing/2010/main">
+                <a:solidFill>
+                  <a:srgbClr val="FFFFFF"/>
+                </a:solidFill>
+              </a14:hiddenFill>
+            </a:ext>
+            <a:ext uri="{91240B29-F687-4F45-9708-019B960494DF}">
+              <a14:hiddenLine xmlns:a14="http://schemas.microsoft.com/office/drawing/2010/main" w="9525">
+                <a:solidFill>
+                  <a:srgbClr val="000000"/>
+                </a:solidFill>
+                <a:miter lim="800000"/>
+                <a:headEnd/>
+                <a:tailEnd/>
+              </a14:hiddenLine>
+            </a:ext>
+          </a:extLst>
+        </p:spPr>
+        <p:txBody>
+          <a:bodyPr>
+            <a:spAutoFit/>
+          </a:bodyPr>
+          <a:lstStyle>
+            <a:lvl1pPr>
+              <a:defRPr>
+                <a:solidFill>
+                  <a:schemeClr val="tx1"/>
+                </a:solidFill>
+                <a:latin typeface="Calibri" panose="020F0502020204030204" pitchFamily="34" charset="0"/>
+              </a:defRPr>
+            </a:lvl1pPr>
+            <a:lvl2pPr marL="742950" indent="-285750">
+              <a:defRPr>
+                <a:solidFill>
+                  <a:schemeClr val="tx1"/>
+                </a:solidFill>
+                <a:latin typeface="Calibri" panose="020F0502020204030204" pitchFamily="34" charset="0"/>
+              </a:defRPr>
+            </a:lvl2pPr>
+            <a:lvl3pPr marL="1143000" indent="-228600">
+              <a:defRPr>
+                <a:solidFill>
+                  <a:schemeClr val="tx1"/>
+                </a:solidFill>
+                <a:latin typeface="Calibri" panose="020F0502020204030204" pitchFamily="34" charset="0"/>
+              </a:defRPr>
+            </a:lvl3pPr>
+            <a:lvl4pPr marL="1600200" indent="-228600">
+              <a:defRPr>
+                <a:solidFill>
+                  <a:schemeClr val="tx1"/>
+                </a:solidFill>
+                <a:latin typeface="Calibri" panose="020F0502020204030204" pitchFamily="34" charset="0"/>
+              </a:defRPr>
+            </a:lvl4pPr>
+            <a:lvl5pPr marL="2057400" indent="-228600">
+              <a:defRPr>
+                <a:solidFill>
+                  <a:schemeClr val="tx1"/>
+                </a:solidFill>
+                <a:latin typeface="Calibri" panose="020F0502020204030204" pitchFamily="34" charset="0"/>
+              </a:defRPr>
+            </a:lvl5pPr>
+            <a:lvl6pPr marL="2514600" indent="-228600" eaLnBrk="0" fontAlgn="base" hangingPunct="0">
+              <a:spcBef>
+                <a:spcPct val="0"/>
+              </a:spcBef>
+              <a:spcAft>
+                <a:spcPct val="0"/>
+              </a:spcAft>
+              <a:defRPr>
+                <a:solidFill>
+                  <a:schemeClr val="tx1"/>
+                </a:solidFill>
+                <a:latin typeface="Calibri" panose="020F0502020204030204" pitchFamily="34" charset="0"/>
+              </a:defRPr>
+            </a:lvl6pPr>
+            <a:lvl7pPr marL="2971800" indent="-228600" eaLnBrk="0" fontAlgn="base" hangingPunct="0">
+              <a:spcBef>
+                <a:spcPct val="0"/>
+              </a:spcBef>
+              <a:spcAft>
+                <a:spcPct val="0"/>
+              </a:spcAft>
+              <a:defRPr>
+                <a:solidFill>
+                  <a:schemeClr val="tx1"/>
+                </a:solidFill>
+                <a:latin typeface="Calibri" panose="020F0502020204030204" pitchFamily="34" charset="0"/>
+              </a:defRPr>
+            </a:lvl7pPr>
+            <a:lvl8pPr marL="3429000" indent="-228600" eaLnBrk="0" fontAlgn="base" hangingPunct="0">
+              <a:spcBef>
+                <a:spcPct val="0"/>
+              </a:spcBef>
+              <a:spcAft>
+                <a:spcPct val="0"/>
+              </a:spcAft>
+              <a:defRPr>
+                <a:solidFill>
+                  <a:schemeClr val="tx1"/>
+                </a:solidFill>
+                <a:latin typeface="Calibri" panose="020F0502020204030204" pitchFamily="34" charset="0"/>
+              </a:defRPr>
+            </a:lvl8pPr>
+            <a:lvl9pPr marL="3886200" indent="-228600" eaLnBrk="0" fontAlgn="base" hangingPunct="0">
+              <a:spcBef>
+                <a:spcPct val="0"/>
+              </a:spcBef>
+              <a:spcAft>
+                <a:spcPct val="0"/>
+              </a:spcAft>
+              <a:defRPr>
+                <a:solidFill>
+                  <a:schemeClr val="tx1"/>
+                </a:solidFill>
+                <a:latin typeface="Calibri" panose="020F0502020204030204" pitchFamily="34" charset="0"/>
+              </a:defRPr>
+            </a:lvl9pPr>
+          </a:lstStyle>
+          <a:p>
+            <a:pPr algn="ctr" eaLnBrk="1" hangingPunct="1"/>
+            <a:r>
+              <a:rPr lang="en-US" altLang="en-US" sz="1200" dirty="0">
+                <a:latin typeface="Arial" panose="020B0604020202020204" pitchFamily="34" charset="0"/>
+                <a:ea typeface="Amazon Ember" panose="020B0603020204020204" pitchFamily="34" charset="0"/>
+                <a:cs typeface="Arial" panose="020B0604020202020204" pitchFamily="34" charset="0"/>
+              </a:rPr>
+              <a:t>AWS Secrets Manager</a:t>
+            </a:r>
           </a:p>
         </p:txBody>
       </p:sp>

--- a/docs/images/jfrog-saas-log-collector-architecture-diagram.pptx
+++ b/docs/images/jfrog-saas-log-collector-architecture-diagram.pptx
@@ -259,7 +259,7 @@
           <a:p>
             <a:fld id="{6244D3B9-4146-964F-9E7E-473F62F24AD4}" type="datetimeFigureOut">
               <a:rPr lang="en-US" smtClean="0"/>
-              <a:t>8/23/2022</a:t>
+              <a:t>9/5/2022</a:t>
             </a:fld>
             <a:endParaRPr lang="en-US"/>
           </a:p>
@@ -457,7 +457,7 @@
           <a:p>
             <a:fld id="{6244D3B9-4146-964F-9E7E-473F62F24AD4}" type="datetimeFigureOut">
               <a:rPr lang="en-US" smtClean="0"/>
-              <a:t>8/23/2022</a:t>
+              <a:t>9/5/2022</a:t>
             </a:fld>
             <a:endParaRPr lang="en-US"/>
           </a:p>
@@ -665,7 +665,7 @@
           <a:p>
             <a:fld id="{6244D3B9-4146-964F-9E7E-473F62F24AD4}" type="datetimeFigureOut">
               <a:rPr lang="en-US" smtClean="0"/>
-              <a:t>8/23/2022</a:t>
+              <a:t>9/5/2022</a:t>
             </a:fld>
             <a:endParaRPr lang="en-US"/>
           </a:p>
@@ -863,7 +863,7 @@
           <a:p>
             <a:fld id="{6244D3B9-4146-964F-9E7E-473F62F24AD4}" type="datetimeFigureOut">
               <a:rPr lang="en-US" smtClean="0"/>
-              <a:t>8/23/2022</a:t>
+              <a:t>9/5/2022</a:t>
             </a:fld>
             <a:endParaRPr lang="en-US"/>
           </a:p>
@@ -1138,7 +1138,7 @@
           <a:p>
             <a:fld id="{6244D3B9-4146-964F-9E7E-473F62F24AD4}" type="datetimeFigureOut">
               <a:rPr lang="en-US" smtClean="0"/>
-              <a:t>8/23/2022</a:t>
+              <a:t>9/5/2022</a:t>
             </a:fld>
             <a:endParaRPr lang="en-US"/>
           </a:p>
@@ -1403,7 +1403,7 @@
           <a:p>
             <a:fld id="{6244D3B9-4146-964F-9E7E-473F62F24AD4}" type="datetimeFigureOut">
               <a:rPr lang="en-US" smtClean="0"/>
-              <a:t>8/23/2022</a:t>
+              <a:t>9/5/2022</a:t>
             </a:fld>
             <a:endParaRPr lang="en-US"/>
           </a:p>
@@ -1815,7 +1815,7 @@
           <a:p>
             <a:fld id="{6244D3B9-4146-964F-9E7E-473F62F24AD4}" type="datetimeFigureOut">
               <a:rPr lang="en-US" smtClean="0"/>
-              <a:t>8/23/2022</a:t>
+              <a:t>9/5/2022</a:t>
             </a:fld>
             <a:endParaRPr lang="en-US"/>
           </a:p>
@@ -1956,7 +1956,7 @@
           <a:p>
             <a:fld id="{6244D3B9-4146-964F-9E7E-473F62F24AD4}" type="datetimeFigureOut">
               <a:rPr lang="en-US" smtClean="0"/>
-              <a:t>8/23/2022</a:t>
+              <a:t>9/5/2022</a:t>
             </a:fld>
             <a:endParaRPr lang="en-US"/>
           </a:p>
@@ -2069,7 +2069,7 @@
           <a:p>
             <a:fld id="{6244D3B9-4146-964F-9E7E-473F62F24AD4}" type="datetimeFigureOut">
               <a:rPr lang="en-US" smtClean="0"/>
-              <a:t>8/23/2022</a:t>
+              <a:t>9/5/2022</a:t>
             </a:fld>
             <a:endParaRPr lang="en-US"/>
           </a:p>
@@ -2380,7 +2380,7 @@
           <a:p>
             <a:fld id="{6244D3B9-4146-964F-9E7E-473F62F24AD4}" type="datetimeFigureOut">
               <a:rPr lang="en-US" smtClean="0"/>
-              <a:t>8/23/2022</a:t>
+              <a:t>9/5/2022</a:t>
             </a:fld>
             <a:endParaRPr lang="en-US"/>
           </a:p>
@@ -2668,7 +2668,7 @@
           <a:p>
             <a:fld id="{6244D3B9-4146-964F-9E7E-473F62F24AD4}" type="datetimeFigureOut">
               <a:rPr lang="en-US" smtClean="0"/>
-              <a:t>8/23/2022</a:t>
+              <a:t>9/5/2022</a:t>
             </a:fld>
             <a:endParaRPr lang="en-US"/>
           </a:p>
@@ -2909,7 +2909,7 @@
           <a:p>
             <a:fld id="{6244D3B9-4146-964F-9E7E-473F62F24AD4}" type="datetimeFigureOut">
               <a:rPr lang="en-US" smtClean="0"/>
-              <a:t>8/23/2022</a:t>
+              <a:t>9/5/2022</a:t>
             </a:fld>
             <a:endParaRPr lang="en-US"/>
           </a:p>
@@ -4821,102 +4821,6 @@
       </p:sp>
       <p:sp>
         <p:nvSpPr>
-          <p:cNvPr id="57" name="Freeform 35">
-            <a:extLst>
-              <a:ext uri="{FF2B5EF4-FFF2-40B4-BE49-F238E27FC236}">
-                <a16:creationId xmlns:a16="http://schemas.microsoft.com/office/drawing/2014/main" id="{361D7781-926A-4C80-AC08-7055AD9E4977}"/>
-              </a:ext>
-            </a:extLst>
-          </p:cNvPr>
-          <p:cNvSpPr/>
-          <p:nvPr/>
-        </p:nvSpPr>
-        <p:spPr>
-          <a:xfrm rot="5400000" flipV="1">
-            <a:off x="1426378" y="2435253"/>
-            <a:ext cx="637081" cy="2417214"/>
-          </a:xfrm>
-          <a:custGeom>
-            <a:avLst/>
-            <a:gdLst>
-              <a:gd name="connsiteX0" fmla="*/ 1371600 w 1371600"/>
-              <a:gd name="connsiteY0" fmla="*/ 711200 h 711200"/>
-              <a:gd name="connsiteX1" fmla="*/ 1371600 w 1371600"/>
-              <a:gd name="connsiteY1" fmla="*/ 0 h 711200"/>
-              <a:gd name="connsiteX2" fmla="*/ 0 w 1371600"/>
-              <a:gd name="connsiteY2" fmla="*/ 0 h 711200"/>
-            </a:gdLst>
-            <a:ahLst/>
-            <a:cxnLst>
-              <a:cxn ang="0">
-                <a:pos x="connsiteX0" y="connsiteY0"/>
-              </a:cxn>
-              <a:cxn ang="0">
-                <a:pos x="connsiteX1" y="connsiteY1"/>
-              </a:cxn>
-              <a:cxn ang="0">
-                <a:pos x="connsiteX2" y="connsiteY2"/>
-              </a:cxn>
-            </a:cxnLst>
-            <a:rect l="l" t="t" r="r" b="b"/>
-            <a:pathLst>
-              <a:path w="1371600" h="711200">
-                <a:moveTo>
-                  <a:pt x="1371600" y="711200"/>
-                </a:moveTo>
-                <a:lnTo>
-                  <a:pt x="1371600" y="0"/>
-                </a:lnTo>
-                <a:lnTo>
-                  <a:pt x="0" y="0"/>
-                </a:lnTo>
-              </a:path>
-            </a:pathLst>
-          </a:custGeom>
-          <a:noFill/>
-          <a:ln w="12700">
-            <a:solidFill>
-              <a:schemeClr val="tx2"/>
-            </a:solidFill>
-            <a:headEnd type="none" w="med" len="sm"/>
-            <a:tailEnd type="arrow" w="med" len="sm"/>
-          </a:ln>
-        </p:spPr>
-        <p:style>
-          <a:lnRef idx="2">
-            <a:schemeClr val="accent1">
-              <a:shade val="50000"/>
-            </a:schemeClr>
-          </a:lnRef>
-          <a:fillRef idx="1">
-            <a:schemeClr val="accent1"/>
-          </a:fillRef>
-          <a:effectRef idx="0">
-            <a:schemeClr val="accent1"/>
-          </a:effectRef>
-          <a:fontRef idx="minor">
-            <a:schemeClr val="lt1"/>
-          </a:fontRef>
-        </p:style>
-        <p:txBody>
-          <a:bodyPr anchor="ctr"/>
-          <a:lstStyle/>
-          <a:p>
-            <a:pPr algn="ctr" eaLnBrk="1" fontAlgn="auto" hangingPunct="1">
-              <a:spcBef>
-                <a:spcPts val="0"/>
-              </a:spcBef>
-              <a:spcAft>
-                <a:spcPts val="0"/>
-              </a:spcAft>
-              <a:defRPr/>
-            </a:pPr>
-            <a:endParaRPr lang="en-US" dirty="0"/>
-          </a:p>
-        </p:txBody>
-      </p:sp>
-      <p:sp>
-        <p:nvSpPr>
           <p:cNvPr id="58" name="Freeform 35">
             <a:extLst>
               <a:ext uri="{FF2B5EF4-FFF2-40B4-BE49-F238E27FC236}">
@@ -5229,6 +5133,102 @@
               </a:rPr>
               <a:t>AWS Secrets Manager</a:t>
             </a:r>
+          </a:p>
+        </p:txBody>
+      </p:sp>
+      <p:sp>
+        <p:nvSpPr>
+          <p:cNvPr id="38" name="Freeform 35">
+            <a:extLst>
+              <a:ext uri="{FF2B5EF4-FFF2-40B4-BE49-F238E27FC236}">
+                <a16:creationId xmlns:a16="http://schemas.microsoft.com/office/drawing/2014/main" id="{221C0683-5874-4429-BFB7-B64804A82CC0}"/>
+              </a:ext>
+            </a:extLst>
+          </p:cNvPr>
+          <p:cNvSpPr/>
+          <p:nvPr/>
+        </p:nvSpPr>
+        <p:spPr>
+          <a:xfrm flipH="1" flipV="1">
+            <a:off x="538854" y="3276600"/>
+            <a:ext cx="2414672" cy="711200"/>
+          </a:xfrm>
+          <a:custGeom>
+            <a:avLst/>
+            <a:gdLst>
+              <a:gd name="connsiteX0" fmla="*/ 1371600 w 1371600"/>
+              <a:gd name="connsiteY0" fmla="*/ 711200 h 711200"/>
+              <a:gd name="connsiteX1" fmla="*/ 1371600 w 1371600"/>
+              <a:gd name="connsiteY1" fmla="*/ 0 h 711200"/>
+              <a:gd name="connsiteX2" fmla="*/ 0 w 1371600"/>
+              <a:gd name="connsiteY2" fmla="*/ 0 h 711200"/>
+            </a:gdLst>
+            <a:ahLst/>
+            <a:cxnLst>
+              <a:cxn ang="0">
+                <a:pos x="connsiteX0" y="connsiteY0"/>
+              </a:cxn>
+              <a:cxn ang="0">
+                <a:pos x="connsiteX1" y="connsiteY1"/>
+              </a:cxn>
+              <a:cxn ang="0">
+                <a:pos x="connsiteX2" y="connsiteY2"/>
+              </a:cxn>
+            </a:cxnLst>
+            <a:rect l="l" t="t" r="r" b="b"/>
+            <a:pathLst>
+              <a:path w="1371600" h="711200">
+                <a:moveTo>
+                  <a:pt x="1371600" y="711200"/>
+                </a:moveTo>
+                <a:lnTo>
+                  <a:pt x="1371600" y="0"/>
+                </a:lnTo>
+                <a:lnTo>
+                  <a:pt x="0" y="0"/>
+                </a:lnTo>
+              </a:path>
+            </a:pathLst>
+          </a:custGeom>
+          <a:noFill/>
+          <a:ln w="12700">
+            <a:solidFill>
+              <a:schemeClr val="tx2"/>
+            </a:solidFill>
+            <a:headEnd type="none" w="med" len="sm"/>
+            <a:tailEnd type="arrow" w="med" len="sm"/>
+          </a:ln>
+        </p:spPr>
+        <p:style>
+          <a:lnRef idx="2">
+            <a:schemeClr val="accent1">
+              <a:shade val="50000"/>
+            </a:schemeClr>
+          </a:lnRef>
+          <a:fillRef idx="1">
+            <a:schemeClr val="accent1"/>
+          </a:fillRef>
+          <a:effectRef idx="0">
+            <a:schemeClr val="accent1"/>
+          </a:effectRef>
+          <a:fontRef idx="minor">
+            <a:schemeClr val="lt1"/>
+          </a:fontRef>
+        </p:style>
+        <p:txBody>
+          <a:bodyPr anchor="ctr"/>
+          <a:lstStyle/>
+          <a:p>
+            <a:pPr algn="ctr" eaLnBrk="1" fontAlgn="auto" hangingPunct="1">
+              <a:spcBef>
+                <a:spcPts val="0"/>
+              </a:spcBef>
+              <a:spcAft>
+                <a:spcPts val="0"/>
+              </a:spcAft>
+              <a:defRPr/>
+            </a:pPr>
+            <a:endParaRPr lang="en-US" dirty="0"/>
           </a:p>
         </p:txBody>
       </p:sp>

--- a/docs/images/jfrog-saas-log-collector-architecture-diagram.pptx
+++ b/docs/images/jfrog-saas-log-collector-architecture-diagram.pptx
@@ -4944,7 +4944,7 @@
         </p:blipFill>
         <p:spPr bwMode="auto">
           <a:xfrm>
-            <a:off x="9541730" y="1554743"/>
+            <a:off x="9541730" y="3962400"/>
             <a:ext cx="762000" cy="762000"/>
           </a:xfrm>
           <a:prstGeom prst="rect">
@@ -4991,7 +4991,7 @@
         </p:nvSpPr>
         <p:spPr bwMode="auto">
           <a:xfrm>
-            <a:off x="8784493" y="2316743"/>
+            <a:off x="8784493" y="4724400"/>
             <a:ext cx="2292350" cy="276999"/>
           </a:xfrm>
           <a:prstGeom prst="rect">

--- a/docs/images/jfrog-saas-log-collector-architecture-diagram.pptx
+++ b/docs/images/jfrog-saas-log-collector-architecture-diagram.pptx
@@ -4785,7 +4785,7 @@
         <p:spPr>
           <a:xfrm>
             <a:off x="-194690" y="5329535"/>
-            <a:ext cx="1434026" cy="461665"/>
+            <a:ext cx="1434026" cy="646331"/>
           </a:xfrm>
           <a:prstGeom prst="rect">
             <a:avLst/>
@@ -4804,7 +4804,17 @@
                 <a:latin typeface="Arial" panose="020B0604020202020204" pitchFamily="34" charset="0"/>
                 <a:cs typeface="Arial" panose="020B0604020202020204" pitchFamily="34" charset="0"/>
               </a:rPr>
-              <a:t>Analytics </a:t>
+              <a:t>Splunk </a:t>
+            </a:r>
+          </a:p>
+          <a:p>
+            <a:pPr algn="ctr"/>
+            <a:r>
+              <a:rPr lang="en-US" sz="1200" dirty="0">
+                <a:latin typeface="Arial" panose="020B0604020202020204" pitchFamily="34" charset="0"/>
+                <a:cs typeface="Arial" panose="020B0604020202020204" pitchFamily="34" charset="0"/>
+              </a:rPr>
+              <a:t>analytics </a:t>
             </a:r>
           </a:p>
           <a:p>
